--- a/Class10 September 26/ANN_OVER_VIEW.pptx
+++ b/Class10 September 26/ANN_OVER_VIEW.pptx
@@ -11,6 +11,7 @@
     <p:sldId id="259" r:id="rId5"/>
     <p:sldId id="260" r:id="rId6"/>
     <p:sldId id="261" r:id="rId7"/>
+    <p:sldId id="262" r:id="rId8"/>
   </p:sldIdLst>
   <p:sldSz cx="12192000" cy="6858000"/>
   <p:notesSz cx="6858000" cy="9144000"/>
@@ -109,6 +110,11 @@
       </a:defRPr>
     </a:lvl9pPr>
   </p:defaultTextStyle>
+  <p:extLst>
+    <p:ext uri="{EFAFB233-063F-42B5-8137-9DF3F51BA10A}">
+      <p15:sldGuideLst xmlns:p15="http://schemas.microsoft.com/office/powerpoint/2012/main"/>
+    </p:ext>
+  </p:extLst>
 </p:presentation>
 </file>
 
@@ -243,7 +249,7 @@
           <a:p>
             <a:fld id="{4855BB15-C7D5-4206-8E56-63C1BC2AE7B1}" type="datetimeFigureOut">
               <a:rPr lang="en-US" smtClean="0"/>
-              <a:t>10/7/2021</a:t>
+              <a:t>11/21/2021</a:t>
             </a:fld>
             <a:endParaRPr lang="en-US"/>
           </a:p>
@@ -413,7 +419,7 @@
           <a:p>
             <a:fld id="{4855BB15-C7D5-4206-8E56-63C1BC2AE7B1}" type="datetimeFigureOut">
               <a:rPr lang="en-US" smtClean="0"/>
-              <a:t>10/7/2021</a:t>
+              <a:t>11/21/2021</a:t>
             </a:fld>
             <a:endParaRPr lang="en-US"/>
           </a:p>
@@ -593,7 +599,7 @@
           <a:p>
             <a:fld id="{4855BB15-C7D5-4206-8E56-63C1BC2AE7B1}" type="datetimeFigureOut">
               <a:rPr lang="en-US" smtClean="0"/>
-              <a:t>10/7/2021</a:t>
+              <a:t>11/21/2021</a:t>
             </a:fld>
             <a:endParaRPr lang="en-US"/>
           </a:p>
@@ -763,7 +769,7 @@
           <a:p>
             <a:fld id="{4855BB15-C7D5-4206-8E56-63C1BC2AE7B1}" type="datetimeFigureOut">
               <a:rPr lang="en-US" smtClean="0"/>
-              <a:t>10/7/2021</a:t>
+              <a:t>11/21/2021</a:t>
             </a:fld>
             <a:endParaRPr lang="en-US"/>
           </a:p>
@@ -1009,7 +1015,7 @@
           <a:p>
             <a:fld id="{4855BB15-C7D5-4206-8E56-63C1BC2AE7B1}" type="datetimeFigureOut">
               <a:rPr lang="en-US" smtClean="0"/>
-              <a:t>10/7/2021</a:t>
+              <a:t>11/21/2021</a:t>
             </a:fld>
             <a:endParaRPr lang="en-US"/>
           </a:p>
@@ -1241,7 +1247,7 @@
           <a:p>
             <a:fld id="{4855BB15-C7D5-4206-8E56-63C1BC2AE7B1}" type="datetimeFigureOut">
               <a:rPr lang="en-US" smtClean="0"/>
-              <a:t>10/7/2021</a:t>
+              <a:t>11/21/2021</a:t>
             </a:fld>
             <a:endParaRPr lang="en-US"/>
           </a:p>
@@ -1608,7 +1614,7 @@
           <a:p>
             <a:fld id="{4855BB15-C7D5-4206-8E56-63C1BC2AE7B1}" type="datetimeFigureOut">
               <a:rPr lang="en-US" smtClean="0"/>
-              <a:t>10/7/2021</a:t>
+              <a:t>11/21/2021</a:t>
             </a:fld>
             <a:endParaRPr lang="en-US"/>
           </a:p>
@@ -1726,7 +1732,7 @@
           <a:p>
             <a:fld id="{4855BB15-C7D5-4206-8E56-63C1BC2AE7B1}" type="datetimeFigureOut">
               <a:rPr lang="en-US" smtClean="0"/>
-              <a:t>10/7/2021</a:t>
+              <a:t>11/21/2021</a:t>
             </a:fld>
             <a:endParaRPr lang="en-US"/>
           </a:p>
@@ -1821,7 +1827,7 @@
           <a:p>
             <a:fld id="{4855BB15-C7D5-4206-8E56-63C1BC2AE7B1}" type="datetimeFigureOut">
               <a:rPr lang="en-US" smtClean="0"/>
-              <a:t>10/7/2021</a:t>
+              <a:t>11/21/2021</a:t>
             </a:fld>
             <a:endParaRPr lang="en-US"/>
           </a:p>
@@ -2098,7 +2104,7 @@
           <a:p>
             <a:fld id="{4855BB15-C7D5-4206-8E56-63C1BC2AE7B1}" type="datetimeFigureOut">
               <a:rPr lang="en-US" smtClean="0"/>
-              <a:t>10/7/2021</a:t>
+              <a:t>11/21/2021</a:t>
             </a:fld>
             <a:endParaRPr lang="en-US"/>
           </a:p>
@@ -2351,7 +2357,7 @@
           <a:p>
             <a:fld id="{4855BB15-C7D5-4206-8E56-63C1BC2AE7B1}" type="datetimeFigureOut">
               <a:rPr lang="en-US" smtClean="0"/>
-              <a:t>10/7/2021</a:t>
+              <a:t>11/21/2021</a:t>
             </a:fld>
             <a:endParaRPr lang="en-US"/>
           </a:p>
@@ -2564,7 +2570,7 @@
           <a:p>
             <a:fld id="{4855BB15-C7D5-4206-8E56-63C1BC2AE7B1}" type="datetimeFigureOut">
               <a:rPr lang="en-US" smtClean="0"/>
-              <a:t>10/7/2021</a:t>
+              <a:t>11/21/2021</a:t>
             </a:fld>
             <a:endParaRPr lang="en-US"/>
           </a:p>
@@ -5367,7 +5373,7 @@
         <p:spPr>
           <a:xfrm>
             <a:off x="10351476" y="2844243"/>
-            <a:ext cx="1718604" cy="3139321"/>
+            <a:ext cx="1718604" cy="1754326"/>
           </a:xfrm>
           <a:prstGeom prst="rect">
             <a:avLst/>
@@ -5396,19 +5402,6 @@
           </a:p>
           <a:p>
             <a:endParaRPr lang="en-US" dirty="0" smtClean="0"/>
-          </a:p>
-          <a:p>
-            <a:r>
-              <a:rPr lang="en-US" dirty="0" smtClean="0"/>
-              <a:t>Now we need to take AVG of these 32 error</a:t>
-            </a:r>
-          </a:p>
-          <a:p>
-            <a:r>
-              <a:rPr lang="en-US" dirty="0" smtClean="0"/>
-              <a:t>-&gt; will get single error value </a:t>
-            </a:r>
-            <a:endParaRPr lang="en-US" dirty="0"/>
           </a:p>
         </p:txBody>
       </p:sp>
@@ -5423,7 +5416,7 @@
         <p:spPr>
           <a:xfrm>
             <a:off x="9625819" y="3305909"/>
-            <a:ext cx="725657" cy="1107995"/>
+            <a:ext cx="725657" cy="415497"/>
           </a:xfrm>
           <a:prstGeom prst="line">
             <a:avLst/>
@@ -5699,7 +5692,7 @@
         <p:spPr>
           <a:xfrm>
             <a:off x="10337408" y="281354"/>
-            <a:ext cx="1718604" cy="2862322"/>
+            <a:ext cx="1718604" cy="1477328"/>
           </a:xfrm>
           <a:prstGeom prst="rect">
             <a:avLst/>
@@ -5725,19 +5718,6 @@
           </a:p>
           <a:p>
             <a:endParaRPr lang="en-US" dirty="0" smtClean="0"/>
-          </a:p>
-          <a:p>
-            <a:r>
-              <a:rPr lang="en-US" dirty="0" smtClean="0"/>
-              <a:t>Now we need to take AVG of these 32 error</a:t>
-            </a:r>
-          </a:p>
-          <a:p>
-            <a:r>
-              <a:rPr lang="en-US" dirty="0" smtClean="0"/>
-              <a:t>-&gt; will get single error value </a:t>
-            </a:r>
-            <a:endParaRPr lang="en-US" dirty="0"/>
           </a:p>
         </p:txBody>
       </p:sp>
@@ -6133,7 +6113,7 @@
         <p:spPr>
           <a:xfrm>
             <a:off x="10138115" y="3685728"/>
-            <a:ext cx="1718604" cy="2862322"/>
+            <a:ext cx="1718604" cy="1477328"/>
           </a:xfrm>
           <a:prstGeom prst="rect">
             <a:avLst/>
@@ -6160,18 +6140,67 @@
           <a:p>
             <a:endParaRPr lang="en-US" dirty="0" smtClean="0"/>
           </a:p>
+        </p:txBody>
+      </p:sp>
+      <p:sp>
+        <p:nvSpPr>
+          <p:cNvPr id="2" name="TextBox 1"/>
+          <p:cNvSpPr txBox="1"/>
+          <p:nvPr/>
+        </p:nvSpPr>
+        <p:spPr>
+          <a:xfrm>
+            <a:off x="1622738" y="4687910"/>
+            <a:ext cx="7456868" cy="2031325"/>
+          </a:xfrm>
+          <a:prstGeom prst="rect">
+            <a:avLst/>
+          </a:prstGeom>
+          <a:noFill/>
+        </p:spPr>
+        <p:txBody>
+          <a:bodyPr wrap="square" rtlCol="0">
+            <a:spAutoFit/>
+          </a:bodyPr>
+          <a:lstStyle/>
           <a:p>
             <a:r>
               <a:rPr lang="en-US" dirty="0" smtClean="0"/>
-              <a:t>Now we need to take AVG of these 32 error</a:t>
+              <a:t>Based on Optimizer the weight will update:</a:t>
             </a:r>
           </a:p>
           <a:p>
             <a:r>
               <a:rPr lang="en-US" dirty="0" smtClean="0"/>
-              <a:t>-&gt; will get single error value </a:t>
-            </a:r>
-            <a:endParaRPr lang="en-US" dirty="0"/>
+              <a:t>If you specify batch </a:t>
+            </a:r>
+            <a:r>
+              <a:rPr lang="en-US" dirty="0" err="1" smtClean="0"/>
+              <a:t>size,each</a:t>
+            </a:r>
+            <a:r>
+              <a:rPr lang="en-US" dirty="0" smtClean="0"/>
+              <a:t> batch with in each steps the gradient will happen, Means 4 times above example gradient will happen.( Using SGD Optimizer), default batch size = 32. If you set batch size 1, each sample Training weight will </a:t>
+            </a:r>
+            <a:r>
+              <a:rPr lang="en-US" dirty="0" err="1" smtClean="0"/>
+              <a:t>update.mini</a:t>
+            </a:r>
+            <a:r>
+              <a:rPr lang="en-US" dirty="0" smtClean="0"/>
+              <a:t> batch : other than default custom </a:t>
+            </a:r>
+            <a:r>
+              <a:rPr lang="en-US" smtClean="0"/>
+              <a:t>batch size.</a:t>
+            </a:r>
+            <a:endParaRPr lang="en-US" dirty="0" smtClean="0"/>
+          </a:p>
+          <a:p>
+            <a:r>
+              <a:rPr lang="en-US" dirty="0"/>
+              <a:t>Reference: https://www.analyticsvidhya.com/blog/2021/08/gradient-descent-design-your-first-machine-learning-model/</a:t>
+            </a:r>
           </a:p>
         </p:txBody>
       </p:sp>
@@ -6657,6 +6686,112 @@
     <p:extLst>
       <p:ext uri="{BB962C8B-B14F-4D97-AF65-F5344CB8AC3E}">
         <p14:creationId xmlns:p14="http://schemas.microsoft.com/office/powerpoint/2010/main" val="1549800902"/>
+      </p:ext>
+    </p:extLst>
+  </p:cSld>
+  <p:clrMapOvr>
+    <a:masterClrMapping/>
+  </p:clrMapOvr>
+</p:sld>
+</file>
+
+<file path=ppt/slides/slide7.xml><?xml version="1.0" encoding="utf-8"?>
+<p:sld xmlns:a="http://schemas.openxmlformats.org/drawingml/2006/main" xmlns:r="http://schemas.openxmlformats.org/officeDocument/2006/relationships" xmlns:p="http://schemas.openxmlformats.org/presentationml/2006/main">
+  <p:cSld>
+    <p:spTree>
+      <p:nvGrpSpPr>
+        <p:cNvPr id="1" name=""/>
+        <p:cNvGrpSpPr/>
+        <p:nvPr/>
+      </p:nvGrpSpPr>
+      <p:grpSpPr>
+        <a:xfrm>
+          <a:off x="0" y="0"/>
+          <a:ext cx="0" cy="0"/>
+          <a:chOff x="0" y="0"/>
+          <a:chExt cx="0" cy="0"/>
+        </a:xfrm>
+      </p:grpSpPr>
+      <p:sp>
+        <p:nvSpPr>
+          <p:cNvPr id="2" name="Rectangle 1"/>
+          <p:cNvSpPr/>
+          <p:nvPr/>
+        </p:nvSpPr>
+        <p:spPr>
+          <a:xfrm>
+            <a:off x="965915" y="866842"/>
+            <a:ext cx="10148552" cy="4801314"/>
+          </a:xfrm>
+          <a:prstGeom prst="rect">
+            <a:avLst/>
+          </a:prstGeom>
+        </p:spPr>
+        <p:txBody>
+          <a:bodyPr wrap="square">
+            <a:spAutoFit/>
+          </a:bodyPr>
+          <a:lstStyle/>
+          <a:p>
+            <a:r>
+              <a:rPr lang="en-US" dirty="0"/>
+              <a:t>Whenever you train the network using batch means that you have chosen to train using batch gradient descent. There are three variants for gradient descent algorithm:</a:t>
+            </a:r>
+          </a:p>
+          <a:p>
+            <a:pPr>
+              <a:buFont typeface="Arial" panose="020B0604020202020204" pitchFamily="34" charset="0"/>
+              <a:buChar char="•"/>
+            </a:pPr>
+            <a:r>
+              <a:rPr lang="en-US" dirty="0"/>
+              <a:t>Gradient Descent</a:t>
+            </a:r>
+          </a:p>
+          <a:p>
+            <a:pPr>
+              <a:buFont typeface="Arial" panose="020B0604020202020204" pitchFamily="34" charset="0"/>
+              <a:buChar char="•"/>
+            </a:pPr>
+            <a:r>
+              <a:rPr lang="en-US" dirty="0"/>
+              <a:t>Stochastic Gradient Descent</a:t>
+            </a:r>
+          </a:p>
+          <a:p>
+            <a:pPr>
+              <a:buFont typeface="Arial" panose="020B0604020202020204" pitchFamily="34" charset="0"/>
+              <a:buChar char="•"/>
+            </a:pPr>
+            <a:r>
+              <a:rPr lang="en-US" dirty="0"/>
+              <a:t>Batch Gradient Descent </a:t>
+            </a:r>
+          </a:p>
+          <a:p>
+            <a:r>
+              <a:rPr lang="en-US" dirty="0"/>
+              <a:t>The first one passes the whole data through the network and finds the error rate for all of them and finds the gradients with respect to all the data samples and updates the weights after passing the whole data-set. That means for each epoch, passing the whole data-set through the network, one update occurs. This update is accurate toward descending gradient. </a:t>
+            </a:r>
+          </a:p>
+          <a:p>
+            <a:r>
+              <a:rPr lang="en-US" dirty="0"/>
+              <a:t>The second one, updates the weights after passing each data which means if your data sample has one thousand samples, one thousand updates will happen whilst the previous method updates the weights one time per the whole data-sample. This method is not accurate but is so much faster than the previous one.</a:t>
+            </a:r>
+          </a:p>
+          <a:p>
+            <a:r>
+              <a:rPr lang="en-US" dirty="0"/>
+              <a:t>The last one tries to find a trade-off between the above approaches. You specify a batch size and you will update the weights after passing the data samples in each batch, means the gradients are calculated after passing each batch. Suppose you have one thousand data sample and you have specified a batch size with one hundred data sample. You will have 10 weight update for each epoch. This method is more accurate than the second approach and is more faster than the first approach. </a:t>
+            </a:r>
+          </a:p>
+        </p:txBody>
+      </p:sp>
+    </p:spTree>
+    <p:extLst>
+      <p:ext uri="{BB962C8B-B14F-4D97-AF65-F5344CB8AC3E}">
+        <p14:creationId xmlns:p14="http://schemas.microsoft.com/office/powerpoint/2010/main" val="3234583963"/>
       </p:ext>
     </p:extLst>
   </p:cSld>
